--- a/Educatoo.pptx
+++ b/Educatoo.pptx
@@ -155,7 +155,7 @@
           <p:cNvPr id="2" name="Заголовок 1">
             <a:extLst>
               <a:ext uri="{FF2B5EF4-FFF2-40B4-BE49-F238E27FC236}">
-                <a16:creationId xmlns:a16="http://schemas.microsoft.com/office/drawing/2014/main" xmlns="" id="{D83C8CBA-DC7A-4289-80CD-CD015727043B}"/>
+                <a16:creationId xmlns="" xmlns:a16="http://schemas.microsoft.com/office/drawing/2014/main" id="{D83C8CBA-DC7A-4289-80CD-CD015727043B}"/>
               </a:ext>
             </a:extLst>
           </p:cNvPr>
@@ -192,7 +192,7 @@
           <p:cNvPr id="3" name="Подзаголовок 2">
             <a:extLst>
               <a:ext uri="{FF2B5EF4-FFF2-40B4-BE49-F238E27FC236}">
-                <a16:creationId xmlns:a16="http://schemas.microsoft.com/office/drawing/2014/main" xmlns="" id="{843C1FCD-E55A-44F9-8892-4A807A5E7A93}"/>
+                <a16:creationId xmlns="" xmlns:a16="http://schemas.microsoft.com/office/drawing/2014/main" id="{843C1FCD-E55A-44F9-8892-4A807A5E7A93}"/>
               </a:ext>
             </a:extLst>
           </p:cNvPr>
@@ -262,7 +262,7 @@
           <p:cNvPr id="4" name="Дата 3">
             <a:extLst>
               <a:ext uri="{FF2B5EF4-FFF2-40B4-BE49-F238E27FC236}">
-                <a16:creationId xmlns:a16="http://schemas.microsoft.com/office/drawing/2014/main" xmlns="" id="{456C0511-0FDB-47C7-8B90-805CCD0E1B99}"/>
+                <a16:creationId xmlns="" xmlns:a16="http://schemas.microsoft.com/office/drawing/2014/main" id="{456C0511-0FDB-47C7-8B90-805CCD0E1B99}"/>
               </a:ext>
             </a:extLst>
           </p:cNvPr>
@@ -280,7 +280,7 @@
           <a:p>
             <a:fld id="{EA4C4ABE-3AB2-4760-AE95-817E917DACAD}" type="datetimeFigureOut">
               <a:rPr lang="ru-RU" smtClean="0"/>
-              <a:t>22.04.2021</a:t>
+              <a:t>23.04.2021</a:t>
             </a:fld>
             <a:endParaRPr lang="ru-RU"/>
           </a:p>
@@ -291,7 +291,7 @@
           <p:cNvPr id="5" name="Нижний колонтитул 4">
             <a:extLst>
               <a:ext uri="{FF2B5EF4-FFF2-40B4-BE49-F238E27FC236}">
-                <a16:creationId xmlns:a16="http://schemas.microsoft.com/office/drawing/2014/main" xmlns="" id="{E3414D97-70E7-480F-8222-6F34BC1BF019}"/>
+                <a16:creationId xmlns="" xmlns:a16="http://schemas.microsoft.com/office/drawing/2014/main" id="{E3414D97-70E7-480F-8222-6F34BC1BF019}"/>
               </a:ext>
             </a:extLst>
           </p:cNvPr>
@@ -316,7 +316,7 @@
           <p:cNvPr id="6" name="Номер слайда 5">
             <a:extLst>
               <a:ext uri="{FF2B5EF4-FFF2-40B4-BE49-F238E27FC236}">
-                <a16:creationId xmlns:a16="http://schemas.microsoft.com/office/drawing/2014/main" xmlns="" id="{7372CF26-0EA7-4A60-A210-ACE087D01B55}"/>
+                <a16:creationId xmlns="" xmlns:a16="http://schemas.microsoft.com/office/drawing/2014/main" id="{7372CF26-0EA7-4A60-A210-ACE087D01B55}"/>
               </a:ext>
             </a:extLst>
           </p:cNvPr>
@@ -375,7 +375,7 @@
           <p:cNvPr id="2" name="Заголовок 1">
             <a:extLst>
               <a:ext uri="{FF2B5EF4-FFF2-40B4-BE49-F238E27FC236}">
-                <a16:creationId xmlns:a16="http://schemas.microsoft.com/office/drawing/2014/main" xmlns="" id="{B748D3AF-1EE6-45DF-AA11-D7AB75E7E610}"/>
+                <a16:creationId xmlns="" xmlns:a16="http://schemas.microsoft.com/office/drawing/2014/main" id="{B748D3AF-1EE6-45DF-AA11-D7AB75E7E610}"/>
               </a:ext>
             </a:extLst>
           </p:cNvPr>
@@ -412,7 +412,7 @@
           <p:cNvPr id="3" name="Рисунок 2">
             <a:extLst>
               <a:ext uri="{FF2B5EF4-FFF2-40B4-BE49-F238E27FC236}">
-                <a16:creationId xmlns:a16="http://schemas.microsoft.com/office/drawing/2014/main" xmlns="" id="{2377B6A6-4D61-42B4-A7F9-D6501E284E3E}"/>
+                <a16:creationId xmlns="" xmlns:a16="http://schemas.microsoft.com/office/drawing/2014/main" id="{2377B6A6-4D61-42B4-A7F9-D6501E284E3E}"/>
               </a:ext>
             </a:extLst>
           </p:cNvPr>
@@ -479,7 +479,7 @@
           <p:cNvPr id="4" name="Текст 3">
             <a:extLst>
               <a:ext uri="{FF2B5EF4-FFF2-40B4-BE49-F238E27FC236}">
-                <a16:creationId xmlns:a16="http://schemas.microsoft.com/office/drawing/2014/main" xmlns="" id="{64B2191B-759C-4D44-89F7-EC08A4E844A7}"/>
+                <a16:creationId xmlns="" xmlns:a16="http://schemas.microsoft.com/office/drawing/2014/main" id="{64B2191B-759C-4D44-89F7-EC08A4E844A7}"/>
               </a:ext>
             </a:extLst>
           </p:cNvPr>
@@ -550,7 +550,7 @@
           <p:cNvPr id="5" name="Дата 4">
             <a:extLst>
               <a:ext uri="{FF2B5EF4-FFF2-40B4-BE49-F238E27FC236}">
-                <a16:creationId xmlns:a16="http://schemas.microsoft.com/office/drawing/2014/main" xmlns="" id="{44AB8909-870D-4FAC-933E-F49BA52FF63E}"/>
+                <a16:creationId xmlns="" xmlns:a16="http://schemas.microsoft.com/office/drawing/2014/main" id="{44AB8909-870D-4FAC-933E-F49BA52FF63E}"/>
               </a:ext>
             </a:extLst>
           </p:cNvPr>
@@ -568,7 +568,7 @@
           <a:p>
             <a:fld id="{EA4C4ABE-3AB2-4760-AE95-817E917DACAD}" type="datetimeFigureOut">
               <a:rPr lang="ru-RU" smtClean="0"/>
-              <a:t>22.04.2021</a:t>
+              <a:t>23.04.2021</a:t>
             </a:fld>
             <a:endParaRPr lang="ru-RU"/>
           </a:p>
@@ -579,7 +579,7 @@
           <p:cNvPr id="6" name="Нижний колонтитул 5">
             <a:extLst>
               <a:ext uri="{FF2B5EF4-FFF2-40B4-BE49-F238E27FC236}">
-                <a16:creationId xmlns:a16="http://schemas.microsoft.com/office/drawing/2014/main" xmlns="" id="{4D1DB187-B7BC-47EF-81B4-86880DDC15B3}"/>
+                <a16:creationId xmlns="" xmlns:a16="http://schemas.microsoft.com/office/drawing/2014/main" id="{4D1DB187-B7BC-47EF-81B4-86880DDC15B3}"/>
               </a:ext>
             </a:extLst>
           </p:cNvPr>
@@ -604,7 +604,7 @@
           <p:cNvPr id="7" name="Номер слайда 6">
             <a:extLst>
               <a:ext uri="{FF2B5EF4-FFF2-40B4-BE49-F238E27FC236}">
-                <a16:creationId xmlns:a16="http://schemas.microsoft.com/office/drawing/2014/main" xmlns="" id="{B315EB44-D8A8-42A2-87B4-E776B77D964E}"/>
+                <a16:creationId xmlns="" xmlns:a16="http://schemas.microsoft.com/office/drawing/2014/main" id="{B315EB44-D8A8-42A2-87B4-E776B77D964E}"/>
               </a:ext>
             </a:extLst>
           </p:cNvPr>
@@ -663,7 +663,7 @@
           <p:cNvPr id="2" name="Заголовок 1">
             <a:extLst>
               <a:ext uri="{FF2B5EF4-FFF2-40B4-BE49-F238E27FC236}">
-                <a16:creationId xmlns:a16="http://schemas.microsoft.com/office/drawing/2014/main" xmlns="" id="{66C27E39-7F3D-4E7F-9668-EF9507FA4346}"/>
+                <a16:creationId xmlns="" xmlns:a16="http://schemas.microsoft.com/office/drawing/2014/main" id="{66C27E39-7F3D-4E7F-9668-EF9507FA4346}"/>
               </a:ext>
             </a:extLst>
           </p:cNvPr>
@@ -691,7 +691,7 @@
           <p:cNvPr id="3" name="Вертикальный текст 2">
             <a:extLst>
               <a:ext uri="{FF2B5EF4-FFF2-40B4-BE49-F238E27FC236}">
-                <a16:creationId xmlns:a16="http://schemas.microsoft.com/office/drawing/2014/main" xmlns="" id="{EFCA81D4-0BCB-42ED-AC7A-E45FD3460AFF}"/>
+                <a16:creationId xmlns="" xmlns:a16="http://schemas.microsoft.com/office/drawing/2014/main" id="{EFCA81D4-0BCB-42ED-AC7A-E45FD3460AFF}"/>
               </a:ext>
             </a:extLst>
           </p:cNvPr>
@@ -748,7 +748,7 @@
           <p:cNvPr id="4" name="Дата 3">
             <a:extLst>
               <a:ext uri="{FF2B5EF4-FFF2-40B4-BE49-F238E27FC236}">
-                <a16:creationId xmlns:a16="http://schemas.microsoft.com/office/drawing/2014/main" xmlns="" id="{0CCE0F1C-109C-4EA2-A65F-E09C6E55A1C9}"/>
+                <a16:creationId xmlns="" xmlns:a16="http://schemas.microsoft.com/office/drawing/2014/main" id="{0CCE0F1C-109C-4EA2-A65F-E09C6E55A1C9}"/>
               </a:ext>
             </a:extLst>
           </p:cNvPr>
@@ -766,7 +766,7 @@
           <a:p>
             <a:fld id="{EA4C4ABE-3AB2-4760-AE95-817E917DACAD}" type="datetimeFigureOut">
               <a:rPr lang="ru-RU" smtClean="0"/>
-              <a:t>22.04.2021</a:t>
+              <a:t>23.04.2021</a:t>
             </a:fld>
             <a:endParaRPr lang="ru-RU"/>
           </a:p>
@@ -777,7 +777,7 @@
           <p:cNvPr id="5" name="Нижний колонтитул 4">
             <a:extLst>
               <a:ext uri="{FF2B5EF4-FFF2-40B4-BE49-F238E27FC236}">
-                <a16:creationId xmlns:a16="http://schemas.microsoft.com/office/drawing/2014/main" xmlns="" id="{D15594AD-D178-48AF-8C58-D05C74CDF7E9}"/>
+                <a16:creationId xmlns="" xmlns:a16="http://schemas.microsoft.com/office/drawing/2014/main" id="{D15594AD-D178-48AF-8C58-D05C74CDF7E9}"/>
               </a:ext>
             </a:extLst>
           </p:cNvPr>
@@ -802,7 +802,7 @@
           <p:cNvPr id="6" name="Номер слайда 5">
             <a:extLst>
               <a:ext uri="{FF2B5EF4-FFF2-40B4-BE49-F238E27FC236}">
-                <a16:creationId xmlns:a16="http://schemas.microsoft.com/office/drawing/2014/main" xmlns="" id="{EE510DED-63B7-48D8-9E06-A662429C8B11}"/>
+                <a16:creationId xmlns="" xmlns:a16="http://schemas.microsoft.com/office/drawing/2014/main" id="{EE510DED-63B7-48D8-9E06-A662429C8B11}"/>
               </a:ext>
             </a:extLst>
           </p:cNvPr>
@@ -861,7 +861,7 @@
           <p:cNvPr id="2" name="Вертикальный заголовок 1">
             <a:extLst>
               <a:ext uri="{FF2B5EF4-FFF2-40B4-BE49-F238E27FC236}">
-                <a16:creationId xmlns:a16="http://schemas.microsoft.com/office/drawing/2014/main" xmlns="" id="{660AC84A-7B23-4D54-A9DB-161407CE687A}"/>
+                <a16:creationId xmlns="" xmlns:a16="http://schemas.microsoft.com/office/drawing/2014/main" id="{660AC84A-7B23-4D54-A9DB-161407CE687A}"/>
               </a:ext>
             </a:extLst>
           </p:cNvPr>
@@ -894,7 +894,7 @@
           <p:cNvPr id="3" name="Вертикальный текст 2">
             <a:extLst>
               <a:ext uri="{FF2B5EF4-FFF2-40B4-BE49-F238E27FC236}">
-                <a16:creationId xmlns:a16="http://schemas.microsoft.com/office/drawing/2014/main" xmlns="" id="{316E8208-861E-4EF3-816E-6E44D756E874}"/>
+                <a16:creationId xmlns="" xmlns:a16="http://schemas.microsoft.com/office/drawing/2014/main" id="{316E8208-861E-4EF3-816E-6E44D756E874}"/>
               </a:ext>
             </a:extLst>
           </p:cNvPr>
@@ -956,7 +956,7 @@
           <p:cNvPr id="4" name="Дата 3">
             <a:extLst>
               <a:ext uri="{FF2B5EF4-FFF2-40B4-BE49-F238E27FC236}">
-                <a16:creationId xmlns:a16="http://schemas.microsoft.com/office/drawing/2014/main" xmlns="" id="{6805B6CA-BF28-4CFD-BE93-F003DA31D8CB}"/>
+                <a16:creationId xmlns="" xmlns:a16="http://schemas.microsoft.com/office/drawing/2014/main" id="{6805B6CA-BF28-4CFD-BE93-F003DA31D8CB}"/>
               </a:ext>
             </a:extLst>
           </p:cNvPr>
@@ -974,7 +974,7 @@
           <a:p>
             <a:fld id="{EA4C4ABE-3AB2-4760-AE95-817E917DACAD}" type="datetimeFigureOut">
               <a:rPr lang="ru-RU" smtClean="0"/>
-              <a:t>22.04.2021</a:t>
+              <a:t>23.04.2021</a:t>
             </a:fld>
             <a:endParaRPr lang="ru-RU"/>
           </a:p>
@@ -985,7 +985,7 @@
           <p:cNvPr id="5" name="Нижний колонтитул 4">
             <a:extLst>
               <a:ext uri="{FF2B5EF4-FFF2-40B4-BE49-F238E27FC236}">
-                <a16:creationId xmlns:a16="http://schemas.microsoft.com/office/drawing/2014/main" xmlns="" id="{DE0D3FC2-39D2-49CB-BDCD-4237856A1934}"/>
+                <a16:creationId xmlns="" xmlns:a16="http://schemas.microsoft.com/office/drawing/2014/main" id="{DE0D3FC2-39D2-49CB-BDCD-4237856A1934}"/>
               </a:ext>
             </a:extLst>
           </p:cNvPr>
@@ -1010,7 +1010,7 @@
           <p:cNvPr id="6" name="Номер слайда 5">
             <a:extLst>
               <a:ext uri="{FF2B5EF4-FFF2-40B4-BE49-F238E27FC236}">
-                <a16:creationId xmlns:a16="http://schemas.microsoft.com/office/drawing/2014/main" xmlns="" id="{81D15A0C-6D58-410E-A92A-3BB23112C172}"/>
+                <a16:creationId xmlns="" xmlns:a16="http://schemas.microsoft.com/office/drawing/2014/main" id="{81D15A0C-6D58-410E-A92A-3BB23112C172}"/>
               </a:ext>
             </a:extLst>
           </p:cNvPr>
@@ -1077,7 +1077,7 @@
           <p:cNvPr id="6" name="Прямоугольник 5">
             <a:extLst>
               <a:ext uri="{FF2B5EF4-FFF2-40B4-BE49-F238E27FC236}">
-                <a16:creationId xmlns:a16="http://schemas.microsoft.com/office/drawing/2014/main" xmlns="" id="{A63AF58E-CCD9-4DE6-A7E2-26BDC09F1509}"/>
+                <a16:creationId xmlns="" xmlns:a16="http://schemas.microsoft.com/office/drawing/2014/main" id="{A63AF58E-CCD9-4DE6-A7E2-26BDC09F1509}"/>
               </a:ext>
             </a:extLst>
           </p:cNvPr>
@@ -1129,7 +1129,7 @@
           <p:cNvPr id="7" name="Заголовок 6">
             <a:extLst>
               <a:ext uri="{FF2B5EF4-FFF2-40B4-BE49-F238E27FC236}">
-                <a16:creationId xmlns:a16="http://schemas.microsoft.com/office/drawing/2014/main" xmlns="" id="{4041BA97-BAD9-4001-9506-E11005E18490}"/>
+                <a16:creationId xmlns="" xmlns:a16="http://schemas.microsoft.com/office/drawing/2014/main" id="{4041BA97-BAD9-4001-9506-E11005E18490}"/>
               </a:ext>
             </a:extLst>
           </p:cNvPr>
@@ -1170,7 +1170,7 @@
           <p:cNvPr id="12" name="Текст 11">
             <a:extLst>
               <a:ext uri="{FF2B5EF4-FFF2-40B4-BE49-F238E27FC236}">
-                <a16:creationId xmlns:a16="http://schemas.microsoft.com/office/drawing/2014/main" xmlns="" id="{224D964D-FD5B-48F5-8B18-EACAC6049227}"/>
+                <a16:creationId xmlns="" xmlns:a16="http://schemas.microsoft.com/office/drawing/2014/main" id="{224D964D-FD5B-48F5-8B18-EACAC6049227}"/>
               </a:ext>
             </a:extLst>
           </p:cNvPr>
@@ -1273,7 +1273,7 @@
           <p:cNvPr id="3" name="Таблица 2">
             <a:extLst>
               <a:ext uri="{FF2B5EF4-FFF2-40B4-BE49-F238E27FC236}">
-                <a16:creationId xmlns:a16="http://schemas.microsoft.com/office/drawing/2014/main" xmlns="" id="{957B8229-3341-4204-ABAC-7770516A4EC8}"/>
+                <a16:creationId xmlns="" xmlns:a16="http://schemas.microsoft.com/office/drawing/2014/main" id="{957B8229-3341-4204-ABAC-7770516A4EC8}"/>
               </a:ext>
             </a:extLst>
           </p:cNvPr>
@@ -1333,7 +1333,7 @@
           <p:cNvPr id="2" name="Заголовок 1">
             <a:extLst>
               <a:ext uri="{FF2B5EF4-FFF2-40B4-BE49-F238E27FC236}">
-                <a16:creationId xmlns:a16="http://schemas.microsoft.com/office/drawing/2014/main" xmlns="" id="{42E359AD-D581-4F32-8D7B-5A7303ACA5AE}"/>
+                <a16:creationId xmlns="" xmlns:a16="http://schemas.microsoft.com/office/drawing/2014/main" id="{42E359AD-D581-4F32-8D7B-5A7303ACA5AE}"/>
               </a:ext>
             </a:extLst>
           </p:cNvPr>
@@ -1361,7 +1361,7 @@
           <p:cNvPr id="3" name="Объект 2">
             <a:extLst>
               <a:ext uri="{FF2B5EF4-FFF2-40B4-BE49-F238E27FC236}">
-                <a16:creationId xmlns:a16="http://schemas.microsoft.com/office/drawing/2014/main" xmlns="" id="{6B34C58F-C553-4C59-A9E5-5639B012FC8C}"/>
+                <a16:creationId xmlns="" xmlns:a16="http://schemas.microsoft.com/office/drawing/2014/main" id="{6B34C58F-C553-4C59-A9E5-5639B012FC8C}"/>
               </a:ext>
             </a:extLst>
           </p:cNvPr>
@@ -1418,7 +1418,7 @@
           <p:cNvPr id="4" name="Дата 3">
             <a:extLst>
               <a:ext uri="{FF2B5EF4-FFF2-40B4-BE49-F238E27FC236}">
-                <a16:creationId xmlns:a16="http://schemas.microsoft.com/office/drawing/2014/main" xmlns="" id="{321C6E13-94F1-4E84-9F27-B4C3B0943FB9}"/>
+                <a16:creationId xmlns="" xmlns:a16="http://schemas.microsoft.com/office/drawing/2014/main" id="{321C6E13-94F1-4E84-9F27-B4C3B0943FB9}"/>
               </a:ext>
             </a:extLst>
           </p:cNvPr>
@@ -1436,7 +1436,7 @@
           <a:p>
             <a:fld id="{EA4C4ABE-3AB2-4760-AE95-817E917DACAD}" type="datetimeFigureOut">
               <a:rPr lang="ru-RU" smtClean="0"/>
-              <a:t>22.04.2021</a:t>
+              <a:t>23.04.2021</a:t>
             </a:fld>
             <a:endParaRPr lang="ru-RU"/>
           </a:p>
@@ -1447,7 +1447,7 @@
           <p:cNvPr id="5" name="Нижний колонтитул 4">
             <a:extLst>
               <a:ext uri="{FF2B5EF4-FFF2-40B4-BE49-F238E27FC236}">
-                <a16:creationId xmlns:a16="http://schemas.microsoft.com/office/drawing/2014/main" xmlns="" id="{E56272E1-B1DF-4FBD-A0FD-492ABFCAC34E}"/>
+                <a16:creationId xmlns="" xmlns:a16="http://schemas.microsoft.com/office/drawing/2014/main" id="{E56272E1-B1DF-4FBD-A0FD-492ABFCAC34E}"/>
               </a:ext>
             </a:extLst>
           </p:cNvPr>
@@ -1472,7 +1472,7 @@
           <p:cNvPr id="6" name="Номер слайда 5">
             <a:extLst>
               <a:ext uri="{FF2B5EF4-FFF2-40B4-BE49-F238E27FC236}">
-                <a16:creationId xmlns:a16="http://schemas.microsoft.com/office/drawing/2014/main" xmlns="" id="{0F4DEC83-DAA5-4C6D-8D4B-BF03457A3CDC}"/>
+                <a16:creationId xmlns="" xmlns:a16="http://schemas.microsoft.com/office/drawing/2014/main" id="{0F4DEC83-DAA5-4C6D-8D4B-BF03457A3CDC}"/>
               </a:ext>
             </a:extLst>
           </p:cNvPr>
@@ -1531,7 +1531,7 @@
           <p:cNvPr id="2" name="Заголовок 1">
             <a:extLst>
               <a:ext uri="{FF2B5EF4-FFF2-40B4-BE49-F238E27FC236}">
-                <a16:creationId xmlns:a16="http://schemas.microsoft.com/office/drawing/2014/main" xmlns="" id="{AC92E189-CF27-420A-85D2-E5876822A388}"/>
+                <a16:creationId xmlns="" xmlns:a16="http://schemas.microsoft.com/office/drawing/2014/main" id="{AC92E189-CF27-420A-85D2-E5876822A388}"/>
               </a:ext>
             </a:extLst>
           </p:cNvPr>
@@ -1568,7 +1568,7 @@
           <p:cNvPr id="3" name="Текст 2">
             <a:extLst>
               <a:ext uri="{FF2B5EF4-FFF2-40B4-BE49-F238E27FC236}">
-                <a16:creationId xmlns:a16="http://schemas.microsoft.com/office/drawing/2014/main" xmlns="" id="{E0D5A772-C4C8-4E08-B48F-8CD51F434DE4}"/>
+                <a16:creationId xmlns="" xmlns:a16="http://schemas.microsoft.com/office/drawing/2014/main" id="{E0D5A772-C4C8-4E08-B48F-8CD51F434DE4}"/>
               </a:ext>
             </a:extLst>
           </p:cNvPr>
@@ -1693,7 +1693,7 @@
           <p:cNvPr id="4" name="Дата 3">
             <a:extLst>
               <a:ext uri="{FF2B5EF4-FFF2-40B4-BE49-F238E27FC236}">
-                <a16:creationId xmlns:a16="http://schemas.microsoft.com/office/drawing/2014/main" xmlns="" id="{27BC306F-4EA4-496E-A1CA-5F6823D5171B}"/>
+                <a16:creationId xmlns="" xmlns:a16="http://schemas.microsoft.com/office/drawing/2014/main" id="{27BC306F-4EA4-496E-A1CA-5F6823D5171B}"/>
               </a:ext>
             </a:extLst>
           </p:cNvPr>
@@ -1711,7 +1711,7 @@
           <a:p>
             <a:fld id="{EA4C4ABE-3AB2-4760-AE95-817E917DACAD}" type="datetimeFigureOut">
               <a:rPr lang="ru-RU" smtClean="0"/>
-              <a:t>22.04.2021</a:t>
+              <a:t>23.04.2021</a:t>
             </a:fld>
             <a:endParaRPr lang="ru-RU"/>
           </a:p>
@@ -1722,7 +1722,7 @@
           <p:cNvPr id="5" name="Нижний колонтитул 4">
             <a:extLst>
               <a:ext uri="{FF2B5EF4-FFF2-40B4-BE49-F238E27FC236}">
-                <a16:creationId xmlns:a16="http://schemas.microsoft.com/office/drawing/2014/main" xmlns="" id="{4A464ED1-21C8-4BCE-AF1A-B821DC4C60C1}"/>
+                <a16:creationId xmlns="" xmlns:a16="http://schemas.microsoft.com/office/drawing/2014/main" id="{4A464ED1-21C8-4BCE-AF1A-B821DC4C60C1}"/>
               </a:ext>
             </a:extLst>
           </p:cNvPr>
@@ -1747,7 +1747,7 @@
           <p:cNvPr id="6" name="Номер слайда 5">
             <a:extLst>
               <a:ext uri="{FF2B5EF4-FFF2-40B4-BE49-F238E27FC236}">
-                <a16:creationId xmlns:a16="http://schemas.microsoft.com/office/drawing/2014/main" xmlns="" id="{A4936C59-1F73-4222-8ED4-BF5683B475CE}"/>
+                <a16:creationId xmlns="" xmlns:a16="http://schemas.microsoft.com/office/drawing/2014/main" id="{A4936C59-1F73-4222-8ED4-BF5683B475CE}"/>
               </a:ext>
             </a:extLst>
           </p:cNvPr>
@@ -1806,7 +1806,7 @@
           <p:cNvPr id="2" name="Заголовок 1">
             <a:extLst>
               <a:ext uri="{FF2B5EF4-FFF2-40B4-BE49-F238E27FC236}">
-                <a16:creationId xmlns:a16="http://schemas.microsoft.com/office/drawing/2014/main" xmlns="" id="{76FE85C9-EC20-436D-BAE5-2C4F12436962}"/>
+                <a16:creationId xmlns="" xmlns:a16="http://schemas.microsoft.com/office/drawing/2014/main" id="{76FE85C9-EC20-436D-BAE5-2C4F12436962}"/>
               </a:ext>
             </a:extLst>
           </p:cNvPr>
@@ -1834,7 +1834,7 @@
           <p:cNvPr id="3" name="Объект 2">
             <a:extLst>
               <a:ext uri="{FF2B5EF4-FFF2-40B4-BE49-F238E27FC236}">
-                <a16:creationId xmlns:a16="http://schemas.microsoft.com/office/drawing/2014/main" xmlns="" id="{DC8B4579-DA0D-40FA-BCCC-F526B965EC03}"/>
+                <a16:creationId xmlns="" xmlns:a16="http://schemas.microsoft.com/office/drawing/2014/main" id="{DC8B4579-DA0D-40FA-BCCC-F526B965EC03}"/>
               </a:ext>
             </a:extLst>
           </p:cNvPr>
@@ -1896,7 +1896,7 @@
           <p:cNvPr id="4" name="Объект 3">
             <a:extLst>
               <a:ext uri="{FF2B5EF4-FFF2-40B4-BE49-F238E27FC236}">
-                <a16:creationId xmlns:a16="http://schemas.microsoft.com/office/drawing/2014/main" xmlns="" id="{A596D469-6CF6-494C-A1D2-E70D422036F3}"/>
+                <a16:creationId xmlns="" xmlns:a16="http://schemas.microsoft.com/office/drawing/2014/main" id="{A596D469-6CF6-494C-A1D2-E70D422036F3}"/>
               </a:ext>
             </a:extLst>
           </p:cNvPr>
@@ -1958,7 +1958,7 @@
           <p:cNvPr id="5" name="Дата 4">
             <a:extLst>
               <a:ext uri="{FF2B5EF4-FFF2-40B4-BE49-F238E27FC236}">
-                <a16:creationId xmlns:a16="http://schemas.microsoft.com/office/drawing/2014/main" xmlns="" id="{1BA158C2-021E-481A-885A-9D0352A2C2FC}"/>
+                <a16:creationId xmlns="" xmlns:a16="http://schemas.microsoft.com/office/drawing/2014/main" id="{1BA158C2-021E-481A-885A-9D0352A2C2FC}"/>
               </a:ext>
             </a:extLst>
           </p:cNvPr>
@@ -1976,7 +1976,7 @@
           <a:p>
             <a:fld id="{EA4C4ABE-3AB2-4760-AE95-817E917DACAD}" type="datetimeFigureOut">
               <a:rPr lang="ru-RU" smtClean="0"/>
-              <a:t>22.04.2021</a:t>
+              <a:t>23.04.2021</a:t>
             </a:fld>
             <a:endParaRPr lang="ru-RU"/>
           </a:p>
@@ -1987,7 +1987,7 @@
           <p:cNvPr id="6" name="Нижний колонтитул 5">
             <a:extLst>
               <a:ext uri="{FF2B5EF4-FFF2-40B4-BE49-F238E27FC236}">
-                <a16:creationId xmlns:a16="http://schemas.microsoft.com/office/drawing/2014/main" xmlns="" id="{6262E538-35FF-491E-A7A3-82618B2A1B76}"/>
+                <a16:creationId xmlns="" xmlns:a16="http://schemas.microsoft.com/office/drawing/2014/main" id="{6262E538-35FF-491E-A7A3-82618B2A1B76}"/>
               </a:ext>
             </a:extLst>
           </p:cNvPr>
@@ -2012,7 +2012,7 @@
           <p:cNvPr id="7" name="Номер слайда 6">
             <a:extLst>
               <a:ext uri="{FF2B5EF4-FFF2-40B4-BE49-F238E27FC236}">
-                <a16:creationId xmlns:a16="http://schemas.microsoft.com/office/drawing/2014/main" xmlns="" id="{9A63556A-DAAA-4C39-BCB7-91D7999A4965}"/>
+                <a16:creationId xmlns="" xmlns:a16="http://schemas.microsoft.com/office/drawing/2014/main" id="{9A63556A-DAAA-4C39-BCB7-91D7999A4965}"/>
               </a:ext>
             </a:extLst>
           </p:cNvPr>
@@ -2071,7 +2071,7 @@
           <p:cNvPr id="2" name="Заголовок 1">
             <a:extLst>
               <a:ext uri="{FF2B5EF4-FFF2-40B4-BE49-F238E27FC236}">
-                <a16:creationId xmlns:a16="http://schemas.microsoft.com/office/drawing/2014/main" xmlns="" id="{32CEF1A4-36D4-4779-9E12-492529174E8A}"/>
+                <a16:creationId xmlns="" xmlns:a16="http://schemas.microsoft.com/office/drawing/2014/main" id="{32CEF1A4-36D4-4779-9E12-492529174E8A}"/>
               </a:ext>
             </a:extLst>
           </p:cNvPr>
@@ -2104,7 +2104,7 @@
           <p:cNvPr id="3" name="Текст 2">
             <a:extLst>
               <a:ext uri="{FF2B5EF4-FFF2-40B4-BE49-F238E27FC236}">
-                <a16:creationId xmlns:a16="http://schemas.microsoft.com/office/drawing/2014/main" xmlns="" id="{0CF2FBDC-D97C-46B0-8030-D8E4C2D56A4F}"/>
+                <a16:creationId xmlns="" xmlns:a16="http://schemas.microsoft.com/office/drawing/2014/main" id="{0CF2FBDC-D97C-46B0-8030-D8E4C2D56A4F}"/>
               </a:ext>
             </a:extLst>
           </p:cNvPr>
@@ -2175,7 +2175,7 @@
           <p:cNvPr id="4" name="Объект 3">
             <a:extLst>
               <a:ext uri="{FF2B5EF4-FFF2-40B4-BE49-F238E27FC236}">
-                <a16:creationId xmlns:a16="http://schemas.microsoft.com/office/drawing/2014/main" xmlns="" id="{E2B0FC86-B369-46C5-A7B8-B99B53D3F003}"/>
+                <a16:creationId xmlns="" xmlns:a16="http://schemas.microsoft.com/office/drawing/2014/main" id="{E2B0FC86-B369-46C5-A7B8-B99B53D3F003}"/>
               </a:ext>
             </a:extLst>
           </p:cNvPr>
@@ -2237,7 +2237,7 @@
           <p:cNvPr id="5" name="Текст 4">
             <a:extLst>
               <a:ext uri="{FF2B5EF4-FFF2-40B4-BE49-F238E27FC236}">
-                <a16:creationId xmlns:a16="http://schemas.microsoft.com/office/drawing/2014/main" xmlns="" id="{5B09F369-837B-4C2E-8FA2-9C1F1791CA81}"/>
+                <a16:creationId xmlns="" xmlns:a16="http://schemas.microsoft.com/office/drawing/2014/main" id="{5B09F369-837B-4C2E-8FA2-9C1F1791CA81}"/>
               </a:ext>
             </a:extLst>
           </p:cNvPr>
@@ -2308,7 +2308,7 @@
           <p:cNvPr id="6" name="Объект 5">
             <a:extLst>
               <a:ext uri="{FF2B5EF4-FFF2-40B4-BE49-F238E27FC236}">
-                <a16:creationId xmlns:a16="http://schemas.microsoft.com/office/drawing/2014/main" xmlns="" id="{0AD0DC6A-000D-4F70-86B5-771632A54A25}"/>
+                <a16:creationId xmlns="" xmlns:a16="http://schemas.microsoft.com/office/drawing/2014/main" id="{0AD0DC6A-000D-4F70-86B5-771632A54A25}"/>
               </a:ext>
             </a:extLst>
           </p:cNvPr>
@@ -2370,7 +2370,7 @@
           <p:cNvPr id="7" name="Дата 6">
             <a:extLst>
               <a:ext uri="{FF2B5EF4-FFF2-40B4-BE49-F238E27FC236}">
-                <a16:creationId xmlns:a16="http://schemas.microsoft.com/office/drawing/2014/main" xmlns="" id="{0A301BC7-CB1F-4DBC-A2EB-9670C3B61945}"/>
+                <a16:creationId xmlns="" xmlns:a16="http://schemas.microsoft.com/office/drawing/2014/main" id="{0A301BC7-CB1F-4DBC-A2EB-9670C3B61945}"/>
               </a:ext>
             </a:extLst>
           </p:cNvPr>
@@ -2388,7 +2388,7 @@
           <a:p>
             <a:fld id="{EA4C4ABE-3AB2-4760-AE95-817E917DACAD}" type="datetimeFigureOut">
               <a:rPr lang="ru-RU" smtClean="0"/>
-              <a:t>22.04.2021</a:t>
+              <a:t>23.04.2021</a:t>
             </a:fld>
             <a:endParaRPr lang="ru-RU"/>
           </a:p>
@@ -2399,7 +2399,7 @@
           <p:cNvPr id="8" name="Нижний колонтитул 7">
             <a:extLst>
               <a:ext uri="{FF2B5EF4-FFF2-40B4-BE49-F238E27FC236}">
-                <a16:creationId xmlns:a16="http://schemas.microsoft.com/office/drawing/2014/main" xmlns="" id="{EB548F8B-02D5-4903-9013-3F583D64FB4E}"/>
+                <a16:creationId xmlns="" xmlns:a16="http://schemas.microsoft.com/office/drawing/2014/main" id="{EB548F8B-02D5-4903-9013-3F583D64FB4E}"/>
               </a:ext>
             </a:extLst>
           </p:cNvPr>
@@ -2424,7 +2424,7 @@
           <p:cNvPr id="9" name="Номер слайда 8">
             <a:extLst>
               <a:ext uri="{FF2B5EF4-FFF2-40B4-BE49-F238E27FC236}">
-                <a16:creationId xmlns:a16="http://schemas.microsoft.com/office/drawing/2014/main" xmlns="" id="{F12BB498-3D96-439C-AB4D-8E8D73EDABB7}"/>
+                <a16:creationId xmlns="" xmlns:a16="http://schemas.microsoft.com/office/drawing/2014/main" id="{F12BB498-3D96-439C-AB4D-8E8D73EDABB7}"/>
               </a:ext>
             </a:extLst>
           </p:cNvPr>
@@ -2483,7 +2483,7 @@
           <p:cNvPr id="2" name="Заголовок 1">
             <a:extLst>
               <a:ext uri="{FF2B5EF4-FFF2-40B4-BE49-F238E27FC236}">
-                <a16:creationId xmlns:a16="http://schemas.microsoft.com/office/drawing/2014/main" xmlns="" id="{1A229087-FCBB-470F-B429-7A680B520048}"/>
+                <a16:creationId xmlns="" xmlns:a16="http://schemas.microsoft.com/office/drawing/2014/main" id="{1A229087-FCBB-470F-B429-7A680B520048}"/>
               </a:ext>
             </a:extLst>
           </p:cNvPr>
@@ -2541,7 +2541,7 @@
           <p:cNvPr id="2" name="Заголовок 1">
             <a:extLst>
               <a:ext uri="{FF2B5EF4-FFF2-40B4-BE49-F238E27FC236}">
-                <a16:creationId xmlns:a16="http://schemas.microsoft.com/office/drawing/2014/main" xmlns="" id="{1A229087-FCBB-470F-B429-7A680B520048}"/>
+                <a16:creationId xmlns="" xmlns:a16="http://schemas.microsoft.com/office/drawing/2014/main" id="{1A229087-FCBB-470F-B429-7A680B520048}"/>
               </a:ext>
             </a:extLst>
           </p:cNvPr>
@@ -2569,7 +2569,7 @@
           <p:cNvPr id="6" name="Полилиния: фигура 5">
             <a:extLst>
               <a:ext uri="{FF2B5EF4-FFF2-40B4-BE49-F238E27FC236}">
-                <a16:creationId xmlns:a16="http://schemas.microsoft.com/office/drawing/2014/main" xmlns="" id="{E1A572D3-4DA6-4192-BFF8-8B6EB79AD353}"/>
+                <a16:creationId xmlns="" xmlns:a16="http://schemas.microsoft.com/office/drawing/2014/main" id="{E1A572D3-4DA6-4192-BFF8-8B6EB79AD353}"/>
               </a:ext>
             </a:extLst>
           </p:cNvPr>
@@ -2682,7 +2682,7 @@
           <p:cNvPr id="8" name="Текст 7">
             <a:extLst>
               <a:ext uri="{FF2B5EF4-FFF2-40B4-BE49-F238E27FC236}">
-                <a16:creationId xmlns:a16="http://schemas.microsoft.com/office/drawing/2014/main" xmlns="" id="{BF8DA119-664A-4591-A005-453FEF365E8C}"/>
+                <a16:creationId xmlns="" xmlns:a16="http://schemas.microsoft.com/office/drawing/2014/main" id="{BF8DA119-664A-4591-A005-453FEF365E8C}"/>
               </a:ext>
             </a:extLst>
           </p:cNvPr>
@@ -2795,7 +2795,7 @@
           <p:cNvPr id="5" name="Заголовок 4">
             <a:extLst>
               <a:ext uri="{FF2B5EF4-FFF2-40B4-BE49-F238E27FC236}">
-                <a16:creationId xmlns:a16="http://schemas.microsoft.com/office/drawing/2014/main" xmlns="" id="{5EB3FA51-943B-4086-A25F-C0E65DD3692C}"/>
+                <a16:creationId xmlns="" xmlns:a16="http://schemas.microsoft.com/office/drawing/2014/main" id="{5EB3FA51-943B-4086-A25F-C0E65DD3692C}"/>
               </a:ext>
             </a:extLst>
           </p:cNvPr>
@@ -2828,7 +2828,7 @@
           <p:cNvPr id="7" name="Текст 6">
             <a:extLst>
               <a:ext uri="{FF2B5EF4-FFF2-40B4-BE49-F238E27FC236}">
-                <a16:creationId xmlns:a16="http://schemas.microsoft.com/office/drawing/2014/main" xmlns="" id="{B8B6AFF7-ABF1-4A29-84D5-00E32979F163}"/>
+                <a16:creationId xmlns="" xmlns:a16="http://schemas.microsoft.com/office/drawing/2014/main" id="{B8B6AFF7-ABF1-4A29-84D5-00E32979F163}"/>
               </a:ext>
             </a:extLst>
           </p:cNvPr>
@@ -2911,7 +2911,7 @@
           <p:cNvPr id="9" name="Рисунок 8">
             <a:extLst>
               <a:ext uri="{FF2B5EF4-FFF2-40B4-BE49-F238E27FC236}">
-                <a16:creationId xmlns:a16="http://schemas.microsoft.com/office/drawing/2014/main" xmlns="" id="{06DB0F6D-303F-4E81-A3D0-5C56453C23AE}"/>
+                <a16:creationId xmlns="" xmlns:a16="http://schemas.microsoft.com/office/drawing/2014/main" id="{06DB0F6D-303F-4E81-A3D0-5C56453C23AE}"/>
               </a:ext>
             </a:extLst>
           </p:cNvPr>
@@ -2941,7 +2941,7 @@
           <p:cNvPr id="11" name="Рисунок 8">
             <a:extLst>
               <a:ext uri="{FF2B5EF4-FFF2-40B4-BE49-F238E27FC236}">
-                <a16:creationId xmlns:a16="http://schemas.microsoft.com/office/drawing/2014/main" xmlns="" id="{E19019EB-1908-499F-8DDD-57FCF302CFDE}"/>
+                <a16:creationId xmlns="" xmlns:a16="http://schemas.microsoft.com/office/drawing/2014/main" id="{E19019EB-1908-499F-8DDD-57FCF302CFDE}"/>
               </a:ext>
             </a:extLst>
           </p:cNvPr>
@@ -2971,7 +2971,7 @@
           <p:cNvPr id="12" name="Рисунок 8">
             <a:extLst>
               <a:ext uri="{FF2B5EF4-FFF2-40B4-BE49-F238E27FC236}">
-                <a16:creationId xmlns:a16="http://schemas.microsoft.com/office/drawing/2014/main" xmlns="" id="{42858865-2D1D-4E01-A5ED-8E9703C3F9F8}"/>
+                <a16:creationId xmlns="" xmlns:a16="http://schemas.microsoft.com/office/drawing/2014/main" id="{42858865-2D1D-4E01-A5ED-8E9703C3F9F8}"/>
               </a:ext>
             </a:extLst>
           </p:cNvPr>
@@ -3001,7 +3001,7 @@
           <p:cNvPr id="13" name="Рисунок 8">
             <a:extLst>
               <a:ext uri="{FF2B5EF4-FFF2-40B4-BE49-F238E27FC236}">
-                <a16:creationId xmlns:a16="http://schemas.microsoft.com/office/drawing/2014/main" xmlns="" id="{E2644163-594C-4D16-97AD-5643AA6E3E02}"/>
+                <a16:creationId xmlns="" xmlns:a16="http://schemas.microsoft.com/office/drawing/2014/main" id="{E2644163-594C-4D16-97AD-5643AA6E3E02}"/>
               </a:ext>
             </a:extLst>
           </p:cNvPr>
@@ -3061,7 +3061,7 @@
           <p:cNvPr id="2" name="Заголовок 1">
             <a:extLst>
               <a:ext uri="{FF2B5EF4-FFF2-40B4-BE49-F238E27FC236}">
-                <a16:creationId xmlns:a16="http://schemas.microsoft.com/office/drawing/2014/main" xmlns="" id="{CF07E728-47D6-4475-94EF-3689685F2FE9}"/>
+                <a16:creationId xmlns="" xmlns:a16="http://schemas.microsoft.com/office/drawing/2014/main" id="{CF07E728-47D6-4475-94EF-3689685F2FE9}"/>
               </a:ext>
             </a:extLst>
           </p:cNvPr>
@@ -3098,7 +3098,7 @@
           <p:cNvPr id="3" name="Объект 2">
             <a:extLst>
               <a:ext uri="{FF2B5EF4-FFF2-40B4-BE49-F238E27FC236}">
-                <a16:creationId xmlns:a16="http://schemas.microsoft.com/office/drawing/2014/main" xmlns="" id="{8AF32C15-1300-464F-BA54-88642F54F70B}"/>
+                <a16:creationId xmlns="" xmlns:a16="http://schemas.microsoft.com/office/drawing/2014/main" id="{8AF32C15-1300-464F-BA54-88642F54F70B}"/>
               </a:ext>
             </a:extLst>
           </p:cNvPr>
@@ -3188,7 +3188,7 @@
           <p:cNvPr id="4" name="Текст 3">
             <a:extLst>
               <a:ext uri="{FF2B5EF4-FFF2-40B4-BE49-F238E27FC236}">
-                <a16:creationId xmlns:a16="http://schemas.microsoft.com/office/drawing/2014/main" xmlns="" id="{E3ABC4BB-D24E-414A-9426-CF01BC1B30D9}"/>
+                <a16:creationId xmlns="" xmlns:a16="http://schemas.microsoft.com/office/drawing/2014/main" id="{E3ABC4BB-D24E-414A-9426-CF01BC1B30D9}"/>
               </a:ext>
             </a:extLst>
           </p:cNvPr>
@@ -3259,7 +3259,7 @@
           <p:cNvPr id="5" name="Дата 4">
             <a:extLst>
               <a:ext uri="{FF2B5EF4-FFF2-40B4-BE49-F238E27FC236}">
-                <a16:creationId xmlns:a16="http://schemas.microsoft.com/office/drawing/2014/main" xmlns="" id="{96441789-CBAA-4724-8D24-AEFAEB111547}"/>
+                <a16:creationId xmlns="" xmlns:a16="http://schemas.microsoft.com/office/drawing/2014/main" id="{96441789-CBAA-4724-8D24-AEFAEB111547}"/>
               </a:ext>
             </a:extLst>
           </p:cNvPr>
@@ -3277,7 +3277,7 @@
           <a:p>
             <a:fld id="{EA4C4ABE-3AB2-4760-AE95-817E917DACAD}" type="datetimeFigureOut">
               <a:rPr lang="ru-RU" smtClean="0"/>
-              <a:t>22.04.2021</a:t>
+              <a:t>23.04.2021</a:t>
             </a:fld>
             <a:endParaRPr lang="ru-RU"/>
           </a:p>
@@ -3288,7 +3288,7 @@
           <p:cNvPr id="6" name="Нижний колонтитул 5">
             <a:extLst>
               <a:ext uri="{FF2B5EF4-FFF2-40B4-BE49-F238E27FC236}">
-                <a16:creationId xmlns:a16="http://schemas.microsoft.com/office/drawing/2014/main" xmlns="" id="{89E03F1F-5631-4AE9-84F5-166B1B540142}"/>
+                <a16:creationId xmlns="" xmlns:a16="http://schemas.microsoft.com/office/drawing/2014/main" id="{89E03F1F-5631-4AE9-84F5-166B1B540142}"/>
               </a:ext>
             </a:extLst>
           </p:cNvPr>
@@ -3313,7 +3313,7 @@
           <p:cNvPr id="7" name="Номер слайда 6">
             <a:extLst>
               <a:ext uri="{FF2B5EF4-FFF2-40B4-BE49-F238E27FC236}">
-                <a16:creationId xmlns:a16="http://schemas.microsoft.com/office/drawing/2014/main" xmlns="" id="{9AD6C9F5-D723-4000-88BA-417FC3BE6970}"/>
+                <a16:creationId xmlns="" xmlns:a16="http://schemas.microsoft.com/office/drawing/2014/main" id="{9AD6C9F5-D723-4000-88BA-417FC3BE6970}"/>
               </a:ext>
             </a:extLst>
           </p:cNvPr>
@@ -3377,7 +3377,7 @@
           <p:cNvPr id="2" name="Заголовок 1">
             <a:extLst>
               <a:ext uri="{FF2B5EF4-FFF2-40B4-BE49-F238E27FC236}">
-                <a16:creationId xmlns:a16="http://schemas.microsoft.com/office/drawing/2014/main" xmlns="" id="{B09A010C-DA26-43A3-A460-B317C2B3E4A8}"/>
+                <a16:creationId xmlns="" xmlns:a16="http://schemas.microsoft.com/office/drawing/2014/main" id="{B09A010C-DA26-43A3-A460-B317C2B3E4A8}"/>
               </a:ext>
             </a:extLst>
           </p:cNvPr>
@@ -3415,7 +3415,7 @@
           <p:cNvPr id="3" name="Текст 2">
             <a:extLst>
               <a:ext uri="{FF2B5EF4-FFF2-40B4-BE49-F238E27FC236}">
-                <a16:creationId xmlns:a16="http://schemas.microsoft.com/office/drawing/2014/main" xmlns="" id="{5FCAD0C7-F3AF-4A99-B7A4-594FB878E7E5}"/>
+                <a16:creationId xmlns="" xmlns:a16="http://schemas.microsoft.com/office/drawing/2014/main" id="{5FCAD0C7-F3AF-4A99-B7A4-594FB878E7E5}"/>
               </a:ext>
             </a:extLst>
           </p:cNvPr>
@@ -3482,7 +3482,7 @@
           <p:cNvPr id="4" name="Дата 3">
             <a:extLst>
               <a:ext uri="{FF2B5EF4-FFF2-40B4-BE49-F238E27FC236}">
-                <a16:creationId xmlns:a16="http://schemas.microsoft.com/office/drawing/2014/main" xmlns="" id="{21B9764E-3742-48FF-B875-763B97BD9679}"/>
+                <a16:creationId xmlns="" xmlns:a16="http://schemas.microsoft.com/office/drawing/2014/main" id="{21B9764E-3742-48FF-B875-763B97BD9679}"/>
               </a:ext>
             </a:extLst>
           </p:cNvPr>
@@ -3518,7 +3518,7 @@
           <a:p>
             <a:fld id="{EA4C4ABE-3AB2-4760-AE95-817E917DACAD}" type="datetimeFigureOut">
               <a:rPr lang="ru-RU" smtClean="0"/>
-              <a:t>22.04.2021</a:t>
+              <a:t>23.04.2021</a:t>
             </a:fld>
             <a:endParaRPr lang="ru-RU"/>
           </a:p>
@@ -3529,7 +3529,7 @@
           <p:cNvPr id="5" name="Нижний колонтитул 4">
             <a:extLst>
               <a:ext uri="{FF2B5EF4-FFF2-40B4-BE49-F238E27FC236}">
-                <a16:creationId xmlns:a16="http://schemas.microsoft.com/office/drawing/2014/main" xmlns="" id="{76A3201E-2B60-46A4-8BD3-4AC0C01120AA}"/>
+                <a16:creationId xmlns="" xmlns:a16="http://schemas.microsoft.com/office/drawing/2014/main" id="{76A3201E-2B60-46A4-8BD3-4AC0C01120AA}"/>
               </a:ext>
             </a:extLst>
           </p:cNvPr>
@@ -3572,7 +3572,7 @@
           <p:cNvPr id="6" name="Номер слайда 5">
             <a:extLst>
               <a:ext uri="{FF2B5EF4-FFF2-40B4-BE49-F238E27FC236}">
-                <a16:creationId xmlns:a16="http://schemas.microsoft.com/office/drawing/2014/main" xmlns="" id="{CB470D74-DAAC-4D19-ACF5-2EF1544C91AE}"/>
+                <a16:creationId xmlns="" xmlns:a16="http://schemas.microsoft.com/office/drawing/2014/main" id="{CB470D74-DAAC-4D19-ACF5-2EF1544C91AE}"/>
               </a:ext>
             </a:extLst>
           </p:cNvPr>
@@ -3620,7 +3620,7 @@
             <a:hlinkClick r:id="rId15"/>
             <a:extLst>
               <a:ext uri="{FF2B5EF4-FFF2-40B4-BE49-F238E27FC236}">
-                <a16:creationId xmlns:a16="http://schemas.microsoft.com/office/drawing/2014/main" xmlns="" id="{835B29EF-FFFB-41B4-9133-19FFA86AB342}"/>
+                <a16:creationId xmlns="" xmlns:a16="http://schemas.microsoft.com/office/drawing/2014/main" id="{835B29EF-FFFB-41B4-9133-19FFA86AB342}"/>
               </a:ext>
             </a:extLst>
           </p:cNvPr>
@@ -3998,7 +3998,7 @@
           <p:cNvPr id="20" name="Полилиния: фигура 19">
             <a:extLst>
               <a:ext uri="{FF2B5EF4-FFF2-40B4-BE49-F238E27FC236}">
-                <a16:creationId xmlns:a16="http://schemas.microsoft.com/office/drawing/2014/main" xmlns="" id="{0C370953-F495-4EB6-B835-70A5E7B3F6EE}"/>
+                <a16:creationId xmlns="" xmlns:a16="http://schemas.microsoft.com/office/drawing/2014/main" id="{0C370953-F495-4EB6-B835-70A5E7B3F6EE}"/>
               </a:ext>
             </a:extLst>
           </p:cNvPr>
@@ -4113,7 +4113,7 @@
           <p:cNvPr id="5" name="Прямоугольник 4">
             <a:extLst>
               <a:ext uri="{FF2B5EF4-FFF2-40B4-BE49-F238E27FC236}">
-                <a16:creationId xmlns:a16="http://schemas.microsoft.com/office/drawing/2014/main" xmlns="" id="{ED43E661-D69B-4EC6-8FFE-EB226B9C184A}"/>
+                <a16:creationId xmlns="" xmlns:a16="http://schemas.microsoft.com/office/drawing/2014/main" id="{ED43E661-D69B-4EC6-8FFE-EB226B9C184A}"/>
               </a:ext>
             </a:extLst>
           </p:cNvPr>
@@ -4240,7 +4240,7 @@
           <p:cNvPr id="6" name="Прямоугольник 5">
             <a:extLst>
               <a:ext uri="{FF2B5EF4-FFF2-40B4-BE49-F238E27FC236}">
-                <a16:creationId xmlns:a16="http://schemas.microsoft.com/office/drawing/2014/main" xmlns="" id="{0E6B8E0E-916E-446C-8132-93622B2B0F73}"/>
+                <a16:creationId xmlns="" xmlns:a16="http://schemas.microsoft.com/office/drawing/2014/main" id="{0E6B8E0E-916E-446C-8132-93622B2B0F73}"/>
               </a:ext>
             </a:extLst>
           </p:cNvPr>
@@ -4405,7 +4405,7 @@
           <p:cNvPr id="7" name="Равнобедренный треугольник 6">
             <a:extLst>
               <a:ext uri="{FF2B5EF4-FFF2-40B4-BE49-F238E27FC236}">
-                <a16:creationId xmlns:a16="http://schemas.microsoft.com/office/drawing/2014/main" xmlns="" id="{5DF29FB0-2825-4E75-80D6-FDFD8999BD20}"/>
+                <a16:creationId xmlns="" xmlns:a16="http://schemas.microsoft.com/office/drawing/2014/main" id="{5DF29FB0-2825-4E75-80D6-FDFD8999BD20}"/>
               </a:ext>
             </a:extLst>
           </p:cNvPr>
@@ -4459,7 +4459,7 @@
           <p:cNvPr id="8" name="Прямоугольник 7">
             <a:extLst>
               <a:ext uri="{FF2B5EF4-FFF2-40B4-BE49-F238E27FC236}">
-                <a16:creationId xmlns:a16="http://schemas.microsoft.com/office/drawing/2014/main" xmlns="" id="{6ECB0B55-440E-4270-872B-E946489FCA45}"/>
+                <a16:creationId xmlns="" xmlns:a16="http://schemas.microsoft.com/office/drawing/2014/main" id="{6ECB0B55-440E-4270-872B-E946489FCA45}"/>
               </a:ext>
             </a:extLst>
           </p:cNvPr>
@@ -4511,7 +4511,7 @@
           <p:cNvPr id="9" name="TextBox 8">
             <a:extLst>
               <a:ext uri="{FF2B5EF4-FFF2-40B4-BE49-F238E27FC236}">
-                <a16:creationId xmlns:a16="http://schemas.microsoft.com/office/drawing/2014/main" xmlns="" id="{17B0A06D-BE18-42F6-B6FD-5711770E378C}"/>
+                <a16:creationId xmlns="" xmlns:a16="http://schemas.microsoft.com/office/drawing/2014/main" id="{17B0A06D-BE18-42F6-B6FD-5711770E378C}"/>
               </a:ext>
             </a:extLst>
           </p:cNvPr>
@@ -4579,7 +4579,7 @@
           <p:cNvPr id="12" name="Прямоугольник 11">
             <a:extLst>
               <a:ext uri="{FF2B5EF4-FFF2-40B4-BE49-F238E27FC236}">
-                <a16:creationId xmlns:a16="http://schemas.microsoft.com/office/drawing/2014/main" xmlns="" id="{01D80F55-55DC-4407-82C1-96456F1687E4}"/>
+                <a16:creationId xmlns="" xmlns:a16="http://schemas.microsoft.com/office/drawing/2014/main" id="{01D80F55-55DC-4407-82C1-96456F1687E4}"/>
               </a:ext>
             </a:extLst>
           </p:cNvPr>
@@ -4615,7 +4615,23 @@
                   <a:schemeClr val="bg1"/>
                 </a:solidFill>
               </a:rPr>
-              <a:t>Лучше потратить минуту на понимание мудрости, чем потерять всю из-за недопонимания</a:t>
+              <a:t>Лучше потратить минуту на понимание мудрости, чем потерять </a:t>
+            </a:r>
+            <a:r>
+              <a:rPr lang="ru-RU" dirty="0" smtClean="0">
+                <a:solidFill>
+                  <a:schemeClr val="bg1"/>
+                </a:solidFill>
+              </a:rPr>
+              <a:t>все из-за </a:t>
+            </a:r>
+            <a:r>
+              <a:rPr lang="ru-RU" dirty="0" smtClean="0">
+                <a:solidFill>
+                  <a:schemeClr val="bg1"/>
+                </a:solidFill>
+              </a:rPr>
+              <a:t>недопонимания</a:t>
             </a:r>
             <a:r>
               <a:rPr lang="en-US" dirty="0" smtClean="0">
@@ -4638,7 +4654,7 @@
           <p:cNvPr id="13" name="TextBox 12">
             <a:extLst>
               <a:ext uri="{FF2B5EF4-FFF2-40B4-BE49-F238E27FC236}">
-                <a16:creationId xmlns:a16="http://schemas.microsoft.com/office/drawing/2014/main" xmlns="" id="{32D6F87E-0166-4134-9916-750B7725F976}"/>
+                <a16:creationId xmlns="" xmlns:a16="http://schemas.microsoft.com/office/drawing/2014/main" id="{32D6F87E-0166-4134-9916-750B7725F976}"/>
               </a:ext>
             </a:extLst>
           </p:cNvPr>
@@ -4682,7 +4698,7 @@
           <p:cNvPr id="14" name="Прямоугольник 13">
             <a:extLst>
               <a:ext uri="{FF2B5EF4-FFF2-40B4-BE49-F238E27FC236}">
-                <a16:creationId xmlns:a16="http://schemas.microsoft.com/office/drawing/2014/main" xmlns="" id="{5B2A515E-8994-46E5-928C-D269B443311E}"/>
+                <a16:creationId xmlns="" xmlns:a16="http://schemas.microsoft.com/office/drawing/2014/main" id="{5B2A515E-8994-46E5-928C-D269B443311E}"/>
               </a:ext>
             </a:extLst>
           </p:cNvPr>
@@ -4746,6 +4762,13 @@
   <p:clrMapOvr>
     <a:masterClrMapping/>
   </p:clrMapOvr>
+  <p:timing>
+    <p:tnLst>
+      <p:par>
+        <p:cTn id="1" dur="indefinite" restart="never" nodeType="tmRoot"/>
+      </p:par>
+    </p:tnLst>
+  </p:timing>
 </p:sld>
 </file>
 
@@ -4771,7 +4794,7 @@
           <p:cNvPr id="23" name="Полилиния: фигура 22">
             <a:extLst>
               <a:ext uri="{FF2B5EF4-FFF2-40B4-BE49-F238E27FC236}">
-                <a16:creationId xmlns:a16="http://schemas.microsoft.com/office/drawing/2014/main" xmlns="" id="{AFA92017-5A71-43DE-962B-93D81B320387}"/>
+                <a16:creationId xmlns="" xmlns:a16="http://schemas.microsoft.com/office/drawing/2014/main" id="{AFA92017-5A71-43DE-962B-93D81B320387}"/>
               </a:ext>
             </a:extLst>
           </p:cNvPr>
@@ -4968,7 +4991,7 @@
           <p:cNvPr id="24" name="Полилиния: фигура 23">
             <a:extLst>
               <a:ext uri="{FF2B5EF4-FFF2-40B4-BE49-F238E27FC236}">
-                <a16:creationId xmlns:a16="http://schemas.microsoft.com/office/drawing/2014/main" xmlns="" id="{BC85A074-3F9D-437C-B2DE-DCAF80B82D5A}"/>
+                <a16:creationId xmlns="" xmlns:a16="http://schemas.microsoft.com/office/drawing/2014/main" id="{BC85A074-3F9D-437C-B2DE-DCAF80B82D5A}"/>
               </a:ext>
             </a:extLst>
           </p:cNvPr>
@@ -5161,7 +5184,7 @@
           <p:cNvPr id="25" name="Полилиния: фигура 24">
             <a:extLst>
               <a:ext uri="{FF2B5EF4-FFF2-40B4-BE49-F238E27FC236}">
-                <a16:creationId xmlns:a16="http://schemas.microsoft.com/office/drawing/2014/main" xmlns="" id="{7E22BA43-D6D0-468F-AA73-1A16FE9C9B9C}"/>
+                <a16:creationId xmlns="" xmlns:a16="http://schemas.microsoft.com/office/drawing/2014/main" id="{7E22BA43-D6D0-468F-AA73-1A16FE9C9B9C}"/>
               </a:ext>
             </a:extLst>
           </p:cNvPr>
@@ -5354,7 +5377,7 @@
           <p:cNvPr id="27" name="Рисунок 26">
             <a:extLst>
               <a:ext uri="{FF2B5EF4-FFF2-40B4-BE49-F238E27FC236}">
-                <a16:creationId xmlns:a16="http://schemas.microsoft.com/office/drawing/2014/main" xmlns="" id="{1E52F0E5-A701-46B7-93E6-826C2E6D141D}"/>
+                <a16:creationId xmlns="" xmlns:a16="http://schemas.microsoft.com/office/drawing/2014/main" id="{1E52F0E5-A701-46B7-93E6-826C2E6D141D}"/>
               </a:ext>
             </a:extLst>
           </p:cNvPr>
@@ -5370,7 +5393,7 @@
                 <a14:useLocalDpi xmlns:a14="http://schemas.microsoft.com/office/drawing/2010/main"/>
               </a:ext>
               <a:ext uri="{96DAC541-7B7A-43D3-8B79-37D633B846F1}">
-                <asvg:svgBlip xmlns:asvg="http://schemas.microsoft.com/office/drawing/2016/SVG/main" xmlns="" r:embed="rId3"/>
+                <asvg:svgBlip xmlns="" xmlns:asvg="http://schemas.microsoft.com/office/drawing/2016/SVG/main" r:embed="rId3"/>
               </a:ext>
             </a:extLst>
           </a:blip>
@@ -5393,7 +5416,7 @@
           <p:cNvPr id="28" name="Дуга 27">
             <a:extLst>
               <a:ext uri="{FF2B5EF4-FFF2-40B4-BE49-F238E27FC236}">
-                <a16:creationId xmlns:a16="http://schemas.microsoft.com/office/drawing/2014/main" xmlns="" id="{E48D25B4-3BD1-409A-ABE9-E2BD6382D55C}"/>
+                <a16:creationId xmlns="" xmlns:a16="http://schemas.microsoft.com/office/drawing/2014/main" id="{E48D25B4-3BD1-409A-ABE9-E2BD6382D55C}"/>
               </a:ext>
             </a:extLst>
           </p:cNvPr>
@@ -5441,7 +5464,7 @@
           <p:cNvPr id="29" name="Прямоугольник 28">
             <a:extLst>
               <a:ext uri="{FF2B5EF4-FFF2-40B4-BE49-F238E27FC236}">
-                <a16:creationId xmlns:a16="http://schemas.microsoft.com/office/drawing/2014/main" xmlns="" id="{2BBD38C4-87A6-472B-A1E5-7BA8A19CE3CA}"/>
+                <a16:creationId xmlns="" xmlns:a16="http://schemas.microsoft.com/office/drawing/2014/main" id="{2BBD38C4-87A6-472B-A1E5-7BA8A19CE3CA}"/>
               </a:ext>
             </a:extLst>
           </p:cNvPr>
@@ -5644,7 +5667,7 @@
           <p:cNvPr id="31" name="Прямая соединительная линия 30">
             <a:extLst>
               <a:ext uri="{FF2B5EF4-FFF2-40B4-BE49-F238E27FC236}">
-                <a16:creationId xmlns:a16="http://schemas.microsoft.com/office/drawing/2014/main" xmlns="" id="{DA7B5BD2-9D27-4CD1-ACBA-82892017AE9A}"/>
+                <a16:creationId xmlns="" xmlns:a16="http://schemas.microsoft.com/office/drawing/2014/main" id="{DA7B5BD2-9D27-4CD1-ACBA-82892017AE9A}"/>
               </a:ext>
             </a:extLst>
           </p:cNvPr>
@@ -5691,7 +5714,7 @@
           <p:cNvPr id="33" name="Прямая соединительная линия 32">
             <a:extLst>
               <a:ext uri="{FF2B5EF4-FFF2-40B4-BE49-F238E27FC236}">
-                <a16:creationId xmlns:a16="http://schemas.microsoft.com/office/drawing/2014/main" xmlns="" id="{16A0C5CE-244C-4B48-A069-27A5659DE144}"/>
+                <a16:creationId xmlns="" xmlns:a16="http://schemas.microsoft.com/office/drawing/2014/main" id="{16A0C5CE-244C-4B48-A069-27A5659DE144}"/>
               </a:ext>
             </a:extLst>
           </p:cNvPr>
@@ -5736,7 +5759,7 @@
           <p:cNvPr id="38" name="Прямая соединительная линия 37">
             <a:extLst>
               <a:ext uri="{FF2B5EF4-FFF2-40B4-BE49-F238E27FC236}">
-                <a16:creationId xmlns:a16="http://schemas.microsoft.com/office/drawing/2014/main" xmlns="" id="{79F0EC7B-122C-4BF7-B14B-31EE9F64ED92}"/>
+                <a16:creationId xmlns="" xmlns:a16="http://schemas.microsoft.com/office/drawing/2014/main" id="{79F0EC7B-122C-4BF7-B14B-31EE9F64ED92}"/>
               </a:ext>
             </a:extLst>
           </p:cNvPr>
@@ -5781,7 +5804,7 @@
           <p:cNvPr id="39" name="Прямая соединительная линия 38">
             <a:extLst>
               <a:ext uri="{FF2B5EF4-FFF2-40B4-BE49-F238E27FC236}">
-                <a16:creationId xmlns:a16="http://schemas.microsoft.com/office/drawing/2014/main" xmlns="" id="{1112A4B0-0625-4DC7-9A07-534D4B4AE1C5}"/>
+                <a16:creationId xmlns="" xmlns:a16="http://schemas.microsoft.com/office/drawing/2014/main" id="{1112A4B0-0625-4DC7-9A07-534D4B4AE1C5}"/>
               </a:ext>
             </a:extLst>
           </p:cNvPr>
@@ -5827,7 +5850,7 @@
           <p:cNvPr id="40" name="Прямая соединительная линия 39">
             <a:extLst>
               <a:ext uri="{FF2B5EF4-FFF2-40B4-BE49-F238E27FC236}">
-                <a16:creationId xmlns:a16="http://schemas.microsoft.com/office/drawing/2014/main" xmlns="" id="{94065879-2B31-4C19-93D2-8D6A19BBA4B3}"/>
+                <a16:creationId xmlns="" xmlns:a16="http://schemas.microsoft.com/office/drawing/2014/main" id="{94065879-2B31-4C19-93D2-8D6A19BBA4B3}"/>
               </a:ext>
             </a:extLst>
           </p:cNvPr>
@@ -5873,7 +5896,7 @@
           <p:cNvPr id="45" name="TextBox 44">
             <a:extLst>
               <a:ext uri="{FF2B5EF4-FFF2-40B4-BE49-F238E27FC236}">
-                <a16:creationId xmlns:a16="http://schemas.microsoft.com/office/drawing/2014/main" xmlns="" id="{51DEBDAE-0271-4E96-AD2B-AB9A7B8E4D82}"/>
+                <a16:creationId xmlns="" xmlns:a16="http://schemas.microsoft.com/office/drawing/2014/main" id="{51DEBDAE-0271-4E96-AD2B-AB9A7B8E4D82}"/>
               </a:ext>
             </a:extLst>
           </p:cNvPr>
@@ -5917,7 +5940,7 @@
           <p:cNvPr id="47" name="TextBox 46">
             <a:extLst>
               <a:ext uri="{FF2B5EF4-FFF2-40B4-BE49-F238E27FC236}">
-                <a16:creationId xmlns:a16="http://schemas.microsoft.com/office/drawing/2014/main" xmlns="" id="{B1ADBEEB-2426-410C-A0FD-EF2B0C1DA159}"/>
+                <a16:creationId xmlns="" xmlns:a16="http://schemas.microsoft.com/office/drawing/2014/main" id="{B1ADBEEB-2426-410C-A0FD-EF2B0C1DA159}"/>
               </a:ext>
             </a:extLst>
           </p:cNvPr>
@@ -5961,7 +5984,7 @@
           <p:cNvPr id="49" name="TextBox 48">
             <a:extLst>
               <a:ext uri="{FF2B5EF4-FFF2-40B4-BE49-F238E27FC236}">
-                <a16:creationId xmlns:a16="http://schemas.microsoft.com/office/drawing/2014/main" xmlns="" id="{7E97FD21-1C94-4BD0-A542-AE928603430D}"/>
+                <a16:creationId xmlns="" xmlns:a16="http://schemas.microsoft.com/office/drawing/2014/main" id="{7E97FD21-1C94-4BD0-A542-AE928603430D}"/>
               </a:ext>
             </a:extLst>
           </p:cNvPr>
@@ -6005,7 +6028,7 @@
           <p:cNvPr id="51" name="TextBox 50">
             <a:extLst>
               <a:ext uri="{FF2B5EF4-FFF2-40B4-BE49-F238E27FC236}">
-                <a16:creationId xmlns:a16="http://schemas.microsoft.com/office/drawing/2014/main" xmlns="" id="{6D90C2EB-832E-45A7-92F5-A6C06A33B1A0}"/>
+                <a16:creationId xmlns="" xmlns:a16="http://schemas.microsoft.com/office/drawing/2014/main" id="{6D90C2EB-832E-45A7-92F5-A6C06A33B1A0}"/>
               </a:ext>
             </a:extLst>
           </p:cNvPr>
@@ -6058,6 +6081,13 @@
   <p:clrMapOvr>
     <a:masterClrMapping/>
   </p:clrMapOvr>
+  <p:timing>
+    <p:tnLst>
+      <p:par>
+        <p:cTn id="1" dur="indefinite" restart="never" nodeType="tmRoot"/>
+      </p:par>
+    </p:tnLst>
+  </p:timing>
 </p:sld>
 </file>
 
@@ -6083,7 +6113,7 @@
           <p:cNvPr id="4" name="Полилиния: фигура 3">
             <a:extLst>
               <a:ext uri="{FF2B5EF4-FFF2-40B4-BE49-F238E27FC236}">
-                <a16:creationId xmlns:a16="http://schemas.microsoft.com/office/drawing/2014/main" xmlns="" id="{3176ECF0-EE47-41EA-875B-0519BA2E98AA}"/>
+                <a16:creationId xmlns="" xmlns:a16="http://schemas.microsoft.com/office/drawing/2014/main" id="{3176ECF0-EE47-41EA-875B-0519BA2E98AA}"/>
               </a:ext>
             </a:extLst>
           </p:cNvPr>
@@ -6196,7 +6226,7 @@
           <p:cNvPr id="5" name="TextBox 4">
             <a:extLst>
               <a:ext uri="{FF2B5EF4-FFF2-40B4-BE49-F238E27FC236}">
-                <a16:creationId xmlns:a16="http://schemas.microsoft.com/office/drawing/2014/main" xmlns="" id="{6E8B7404-5B1E-454B-9143-37B12EAA7828}"/>
+                <a16:creationId xmlns="" xmlns:a16="http://schemas.microsoft.com/office/drawing/2014/main" id="{6E8B7404-5B1E-454B-9143-37B12EAA7828}"/>
               </a:ext>
             </a:extLst>
           </p:cNvPr>
@@ -6232,7 +6262,7 @@
           <p:cNvPr id="6" name="Прямоугольник 5">
             <a:extLst>
               <a:ext uri="{FF2B5EF4-FFF2-40B4-BE49-F238E27FC236}">
-                <a16:creationId xmlns:a16="http://schemas.microsoft.com/office/drawing/2014/main" xmlns="" id="{BA3BAE0C-219F-4C00-B25C-58B34363EC13}"/>
+                <a16:creationId xmlns="" xmlns:a16="http://schemas.microsoft.com/office/drawing/2014/main" id="{BA3BAE0C-219F-4C00-B25C-58B34363EC13}"/>
               </a:ext>
             </a:extLst>
           </p:cNvPr>
@@ -6286,7 +6316,7 @@
           <p:cNvPr id="7" name="Шестиугольник 6">
             <a:extLst>
               <a:ext uri="{FF2B5EF4-FFF2-40B4-BE49-F238E27FC236}">
-                <a16:creationId xmlns:a16="http://schemas.microsoft.com/office/drawing/2014/main" xmlns="" id="{0B1C8BEE-44EE-43C4-BE09-B00C937127CC}"/>
+                <a16:creationId xmlns="" xmlns:a16="http://schemas.microsoft.com/office/drawing/2014/main" id="{0B1C8BEE-44EE-43C4-BE09-B00C937127CC}"/>
               </a:ext>
             </a:extLst>
           </p:cNvPr>
@@ -6338,7 +6368,7 @@
           <p:cNvPr id="8" name="Рисунок 7">
             <a:extLst>
               <a:ext uri="{FF2B5EF4-FFF2-40B4-BE49-F238E27FC236}">
-                <a16:creationId xmlns:a16="http://schemas.microsoft.com/office/drawing/2014/main" xmlns="" id="{D5372513-778F-4AA9-B6A9-CBDCCBF2DD71}"/>
+                <a16:creationId xmlns="" xmlns:a16="http://schemas.microsoft.com/office/drawing/2014/main" id="{D5372513-778F-4AA9-B6A9-CBDCCBF2DD71}"/>
               </a:ext>
             </a:extLst>
           </p:cNvPr>
@@ -6354,7 +6384,7 @@
                 <a14:useLocalDpi xmlns:a14="http://schemas.microsoft.com/office/drawing/2010/main"/>
               </a:ext>
               <a:ext uri="{96DAC541-7B7A-43D3-8B79-37D633B846F1}">
-                <asvg:svgBlip xmlns:asvg="http://schemas.microsoft.com/office/drawing/2016/SVG/main" xmlns="" r:embed="rId3"/>
+                <asvg:svgBlip xmlns="" xmlns:asvg="http://schemas.microsoft.com/office/drawing/2016/SVG/main" r:embed="rId3"/>
               </a:ext>
             </a:extLst>
           </a:blip>
@@ -6377,7 +6407,7 @@
           <p:cNvPr id="9" name="TextBox 8">
             <a:extLst>
               <a:ext uri="{FF2B5EF4-FFF2-40B4-BE49-F238E27FC236}">
-                <a16:creationId xmlns:a16="http://schemas.microsoft.com/office/drawing/2014/main" xmlns="" id="{06D351E3-07F6-4C1A-9469-0436585956E7}"/>
+                <a16:creationId xmlns="" xmlns:a16="http://schemas.microsoft.com/office/drawing/2014/main" id="{06D351E3-07F6-4C1A-9469-0436585956E7}"/>
               </a:ext>
             </a:extLst>
           </p:cNvPr>
@@ -6413,7 +6443,7 @@
           <p:cNvPr id="11" name="Шестиугольник 10">
             <a:extLst>
               <a:ext uri="{FF2B5EF4-FFF2-40B4-BE49-F238E27FC236}">
-                <a16:creationId xmlns:a16="http://schemas.microsoft.com/office/drawing/2014/main" xmlns="" id="{B2797BE5-D4C6-48B7-A238-05BCC384657F}"/>
+                <a16:creationId xmlns="" xmlns:a16="http://schemas.microsoft.com/office/drawing/2014/main" id="{B2797BE5-D4C6-48B7-A238-05BCC384657F}"/>
               </a:ext>
             </a:extLst>
           </p:cNvPr>
@@ -6465,7 +6495,7 @@
           <p:cNvPr id="12" name="Рисунок 11">
             <a:extLst>
               <a:ext uri="{FF2B5EF4-FFF2-40B4-BE49-F238E27FC236}">
-                <a16:creationId xmlns:a16="http://schemas.microsoft.com/office/drawing/2014/main" xmlns="" id="{3BC0725A-D1F4-4D06-AFC1-F0C84997F5ED}"/>
+                <a16:creationId xmlns="" xmlns:a16="http://schemas.microsoft.com/office/drawing/2014/main" id="{3BC0725A-D1F4-4D06-AFC1-F0C84997F5ED}"/>
               </a:ext>
             </a:extLst>
           </p:cNvPr>
@@ -6481,7 +6511,7 @@
                 <a14:useLocalDpi xmlns:a14="http://schemas.microsoft.com/office/drawing/2010/main"/>
               </a:ext>
               <a:ext uri="{96DAC541-7B7A-43D3-8B79-37D633B846F1}">
-                <asvg:svgBlip xmlns:asvg="http://schemas.microsoft.com/office/drawing/2016/SVG/main" xmlns="" r:embed="rId5"/>
+                <asvg:svgBlip xmlns="" xmlns:asvg="http://schemas.microsoft.com/office/drawing/2016/SVG/main" r:embed="rId5"/>
               </a:ext>
             </a:extLst>
           </a:blip>
@@ -6504,7 +6534,7 @@
           <p:cNvPr id="17" name="TextBox 16">
             <a:extLst>
               <a:ext uri="{FF2B5EF4-FFF2-40B4-BE49-F238E27FC236}">
-                <a16:creationId xmlns:a16="http://schemas.microsoft.com/office/drawing/2014/main" xmlns="" id="{7AD0F88E-A636-404B-B161-F0893E825ED3}"/>
+                <a16:creationId xmlns="" xmlns:a16="http://schemas.microsoft.com/office/drawing/2014/main" id="{7AD0F88E-A636-404B-B161-F0893E825ED3}"/>
               </a:ext>
             </a:extLst>
           </p:cNvPr>
@@ -6609,6 +6639,13 @@
   <p:clrMapOvr>
     <a:masterClrMapping/>
   </p:clrMapOvr>
+  <p:timing>
+    <p:tnLst>
+      <p:par>
+        <p:cTn id="1" dur="indefinite" restart="never" nodeType="tmRoot"/>
+      </p:par>
+    </p:tnLst>
+  </p:timing>
 </p:sld>
 </file>
 
@@ -6634,7 +6671,7 @@
           <p:cNvPr id="7" name="Заголовок 6">
             <a:extLst>
               <a:ext uri="{FF2B5EF4-FFF2-40B4-BE49-F238E27FC236}">
-                <a16:creationId xmlns:a16="http://schemas.microsoft.com/office/drawing/2014/main" xmlns="" id="{3CDD6A44-ABD1-4B59-A40D-F4BB1776E5DD}"/>
+                <a16:creationId xmlns="" xmlns:a16="http://schemas.microsoft.com/office/drawing/2014/main" id="{3CDD6A44-ABD1-4B59-A40D-F4BB1776E5DD}"/>
               </a:ext>
             </a:extLst>
           </p:cNvPr>
@@ -6698,6 +6735,13 @@
   <p:clrMapOvr>
     <a:masterClrMapping/>
   </p:clrMapOvr>
+  <p:timing>
+    <p:tnLst>
+      <p:par>
+        <p:cTn id="1" dur="indefinite" restart="never" nodeType="tmRoot"/>
+      </p:par>
+    </p:tnLst>
+  </p:timing>
 </p:sld>
 </file>
 
@@ -6723,7 +6767,7 @@
           <p:cNvPr id="7" name="Заголовок 6">
             <a:extLst>
               <a:ext uri="{FF2B5EF4-FFF2-40B4-BE49-F238E27FC236}">
-                <a16:creationId xmlns:a16="http://schemas.microsoft.com/office/drawing/2014/main" xmlns="" id="{3CDD6A44-ABD1-4B59-A40D-F4BB1776E5DD}"/>
+                <a16:creationId xmlns="" xmlns:a16="http://schemas.microsoft.com/office/drawing/2014/main" id="{3CDD6A44-ABD1-4B59-A40D-F4BB1776E5DD}"/>
               </a:ext>
             </a:extLst>
           </p:cNvPr>
@@ -6762,7 +6806,7 @@
         <p:spPr>
           <a:xfrm>
             <a:off x="1056000" y="1314000"/>
-            <a:ext cx="10890000" cy="954107"/>
+            <a:ext cx="10890000" cy="1384995"/>
           </a:xfrm>
           <a:prstGeom prst="rect">
             <a:avLst/>
@@ -6777,7 +6821,11 @@
           <a:p>
             <a:r>
               <a:rPr lang="ru-RU" sz="2800" dirty="0" smtClean="0"/>
-              <a:t>Данный проект был в первую очередь, создан для собственного использования, где был одобрен и взят на вооружение</a:t>
+              <a:t>Данный проект был в первую очередь, создан для собственного использования, где был одобрен и взят на </a:t>
+            </a:r>
+            <a:r>
+              <a:rPr lang="ru-RU" sz="2800" dirty="0" smtClean="0"/>
+              <a:t>вооружение. Поэтому я доволен проделанной работой.</a:t>
             </a:r>
             <a:endParaRPr lang="ru-RU" sz="2800" dirty="0"/>
           </a:p>
@@ -6793,6 +6841,13 @@
   <p:clrMapOvr>
     <a:masterClrMapping/>
   </p:clrMapOvr>
+  <p:timing>
+    <p:tnLst>
+      <p:par>
+        <p:cTn id="1" dur="indefinite" restart="never" nodeType="tmRoot"/>
+      </p:par>
+    </p:tnLst>
+  </p:timing>
 </p:sld>
 </file>
 
@@ -6837,7 +6892,7 @@
           <p:cNvPr id="20" name="Полилиния: фигура 19">
             <a:extLst>
               <a:ext uri="{FF2B5EF4-FFF2-40B4-BE49-F238E27FC236}">
-                <a16:creationId xmlns:a16="http://schemas.microsoft.com/office/drawing/2014/main" xmlns="" id="{0C370953-F495-4EB6-B835-70A5E7B3F6EE}"/>
+                <a16:creationId xmlns="" xmlns:a16="http://schemas.microsoft.com/office/drawing/2014/main" id="{0C370953-F495-4EB6-B835-70A5E7B3F6EE}"/>
               </a:ext>
             </a:extLst>
           </p:cNvPr>
@@ -6955,7 +7010,7 @@
           <p:cNvPr id="2" name="Прямоугольник 1">
             <a:extLst>
               <a:ext uri="{FF2B5EF4-FFF2-40B4-BE49-F238E27FC236}">
-                <a16:creationId xmlns:a16="http://schemas.microsoft.com/office/drawing/2014/main" xmlns="" id="{62FFD0F1-A8A3-42C9-B720-DC92A4B978A6}"/>
+                <a16:creationId xmlns="" xmlns:a16="http://schemas.microsoft.com/office/drawing/2014/main" id="{62FFD0F1-A8A3-42C9-B720-DC92A4B978A6}"/>
               </a:ext>
             </a:extLst>
           </p:cNvPr>
@@ -7070,7 +7125,7 @@
           <p:cNvPr id="5" name="Прямоугольник 4">
             <a:extLst>
               <a:ext uri="{FF2B5EF4-FFF2-40B4-BE49-F238E27FC236}">
-                <a16:creationId xmlns:a16="http://schemas.microsoft.com/office/drawing/2014/main" xmlns="" id="{ED43E661-D69B-4EC6-8FFE-EB226B9C184A}"/>
+                <a16:creationId xmlns="" xmlns:a16="http://schemas.microsoft.com/office/drawing/2014/main" id="{ED43E661-D69B-4EC6-8FFE-EB226B9C184A}"/>
               </a:ext>
             </a:extLst>
           </p:cNvPr>
@@ -7199,7 +7254,7 @@
           <p:cNvPr id="6" name="Прямоугольник 5">
             <a:extLst>
               <a:ext uri="{FF2B5EF4-FFF2-40B4-BE49-F238E27FC236}">
-                <a16:creationId xmlns:a16="http://schemas.microsoft.com/office/drawing/2014/main" xmlns="" id="{0E6B8E0E-916E-446C-8132-93622B2B0F73}"/>
+                <a16:creationId xmlns="" xmlns:a16="http://schemas.microsoft.com/office/drawing/2014/main" id="{0E6B8E0E-916E-446C-8132-93622B2B0F73}"/>
               </a:ext>
             </a:extLst>
           </p:cNvPr>
@@ -7362,7 +7417,7 @@
           <p:cNvPr id="7" name="Равнобедренный треугольник 6">
             <a:extLst>
               <a:ext uri="{FF2B5EF4-FFF2-40B4-BE49-F238E27FC236}">
-                <a16:creationId xmlns:a16="http://schemas.microsoft.com/office/drawing/2014/main" xmlns="" id="{5DF29FB0-2825-4E75-80D6-FDFD8999BD20}"/>
+                <a16:creationId xmlns="" xmlns:a16="http://schemas.microsoft.com/office/drawing/2014/main" id="{5DF29FB0-2825-4E75-80D6-FDFD8999BD20}"/>
               </a:ext>
             </a:extLst>
           </p:cNvPr>
@@ -7416,7 +7471,7 @@
           <p:cNvPr id="9" name="TextBox 8">
             <a:extLst>
               <a:ext uri="{FF2B5EF4-FFF2-40B4-BE49-F238E27FC236}">
-                <a16:creationId xmlns:a16="http://schemas.microsoft.com/office/drawing/2014/main" xmlns="" id="{17B0A06D-BE18-42F6-B6FD-5711770E378C}"/>
+                <a16:creationId xmlns="" xmlns:a16="http://schemas.microsoft.com/office/drawing/2014/main" id="{17B0A06D-BE18-42F6-B6FD-5711770E378C}"/>
               </a:ext>
             </a:extLst>
           </p:cNvPr>
